--- a/shapley_values/presentation.pptx
+++ b/shapley_values/presentation.pptx
@@ -212,7 +212,7 @@
           <a:p>
             <a:fld id="{DC6DFDD9-8F2A-45E4-9BA0-E2A981F0E57C}" type="datetimeFigureOut">
               <a:rPr lang="en-GB" smtClean="0"/>
-              <a:t>07/06/2020</a:t>
+              <a:t>09/06/2020</a:t>
             </a:fld>
             <a:endParaRPr lang="en-GB"/>
           </a:p>
@@ -1004,22 +1004,6 @@
           <a:bodyPr/>
           <a:lstStyle/>
           <a:p>
-            <a:r>
-              <a:rPr lang="en-GB"/>
-              <a:t>Key point: no special politics knowledge</a:t>
-            </a:r>
-          </a:p>
-          <a:p>
-            <a:r>
-              <a:rPr lang="en-GB"/>
-              <a:t>Power of data science</a:t>
-            </a:r>
-          </a:p>
-          <a:p>
-            <a:r>
-              <a:rPr lang="en-GB"/>
-              <a:t>Inspire people with knowledge of the field</a:t>
-            </a:r>
             <a:endParaRPr lang="en-GB" dirty="0"/>
           </a:p>
         </p:txBody>
@@ -2148,7 +2132,7 @@
             <a:fld id="{96DFF08F-DC6B-4601-B491-B0F83F6DD2DA}" type="datetimeFigureOut">
               <a:rPr lang="en-US" dirty="0"/>
               <a:pPr/>
-              <a:t>6/7/2020</a:t>
+              <a:t>6/9/2020</a:t>
             </a:fld>
             <a:endParaRPr lang="en-US" dirty="0"/>
           </a:p>
@@ -2365,7 +2349,7 @@
           <a:p>
             <a:fld id="{96DFF08F-DC6B-4601-B491-B0F83F6DD2DA}" type="datetimeFigureOut">
               <a:rPr lang="en-US" dirty="0"/>
-              <a:t>6/7/2020</a:t>
+              <a:t>6/9/2020</a:t>
             </a:fld>
             <a:endParaRPr lang="en-US" dirty="0"/>
           </a:p>
@@ -2540,7 +2524,7 @@
           <a:p>
             <a:fld id="{96DFF08F-DC6B-4601-B491-B0F83F6DD2DA}" type="datetimeFigureOut">
               <a:rPr lang="en-US" dirty="0"/>
-              <a:t>6/7/2020</a:t>
+              <a:t>6/9/2020</a:t>
             </a:fld>
             <a:endParaRPr lang="en-US" dirty="0"/>
           </a:p>
@@ -2705,7 +2689,7 @@
           <a:p>
             <a:fld id="{96DFF08F-DC6B-4601-B491-B0F83F6DD2DA}" type="datetimeFigureOut">
               <a:rPr lang="en-US" dirty="0"/>
-              <a:t>6/7/2020</a:t>
+              <a:t>6/9/2020</a:t>
             </a:fld>
             <a:endParaRPr lang="en-US" dirty="0"/>
           </a:p>
@@ -2974,7 +2958,7 @@
           <a:p>
             <a:fld id="{96DFF08F-DC6B-4601-B491-B0F83F6DD2DA}" type="datetimeFigureOut">
               <a:rPr lang="en-US" dirty="0"/>
-              <a:t>6/7/2020</a:t>
+              <a:t>6/9/2020</a:t>
             </a:fld>
             <a:endParaRPr lang="en-US" dirty="0"/>
           </a:p>
@@ -3292,7 +3276,7 @@
           <a:p>
             <a:fld id="{96DFF08F-DC6B-4601-B491-B0F83F6DD2DA}" type="datetimeFigureOut">
               <a:rPr lang="en-US" dirty="0"/>
-              <a:t>6/7/2020</a:t>
+              <a:t>6/9/2020</a:t>
             </a:fld>
             <a:endParaRPr lang="en-US" dirty="0"/>
           </a:p>
@@ -3711,7 +3695,7 @@
           <a:p>
             <a:fld id="{96DFF08F-DC6B-4601-B491-B0F83F6DD2DA}" type="datetimeFigureOut">
               <a:rPr lang="en-US" dirty="0"/>
-              <a:t>6/7/2020</a:t>
+              <a:t>6/9/2020</a:t>
             </a:fld>
             <a:endParaRPr lang="en-US" dirty="0"/>
           </a:p>
@@ -3824,7 +3808,7 @@
           <a:p>
             <a:fld id="{96DFF08F-DC6B-4601-B491-B0F83F6DD2DA}" type="datetimeFigureOut">
               <a:rPr lang="en-US" dirty="0"/>
-              <a:t>6/7/2020</a:t>
+              <a:t>6/9/2020</a:t>
             </a:fld>
             <a:endParaRPr lang="en-US" dirty="0"/>
           </a:p>
@@ -3914,7 +3898,7 @@
           <a:p>
             <a:fld id="{96DFF08F-DC6B-4601-B491-B0F83F6DD2DA}" type="datetimeFigureOut">
               <a:rPr lang="en-US" dirty="0"/>
-              <a:t>6/7/2020</a:t>
+              <a:t>6/9/2020</a:t>
             </a:fld>
             <a:endParaRPr lang="en-US" dirty="0"/>
           </a:p>
@@ -4199,7 +4183,7 @@
           <a:p>
             <a:fld id="{96DFF08F-DC6B-4601-B491-B0F83F6DD2DA}" type="datetimeFigureOut">
               <a:rPr lang="en-US" dirty="0"/>
-              <a:t>6/7/2020</a:t>
+              <a:t>6/9/2020</a:t>
             </a:fld>
             <a:endParaRPr lang="en-US" dirty="0"/>
           </a:p>
@@ -4466,7 +4450,7 @@
           <a:p>
             <a:fld id="{96DFF08F-DC6B-4601-B491-B0F83F6DD2DA}" type="datetimeFigureOut">
               <a:rPr lang="en-US" dirty="0"/>
-              <a:t>6/7/2020</a:t>
+              <a:t>6/9/2020</a:t>
             </a:fld>
             <a:endParaRPr lang="en-US" dirty="0"/>
           </a:p>
@@ -4716,7 +4700,7 @@
             <a:fld id="{96DFF08F-DC6B-4601-B491-B0F83F6DD2DA}" type="datetimeFigureOut">
               <a:rPr lang="en-US" dirty="0"/>
               <a:pPr/>
-              <a:t>6/7/2020</a:t>
+              <a:t>6/9/2020</a:t>
             </a:fld>
             <a:endParaRPr lang="en-US" dirty="0"/>
           </a:p>
@@ -8029,12 +8013,6 @@
           <a:p>
             <a:r>
               <a:rPr lang="en-GB" dirty="0"/>
-              <a:t>Explanations are dense</a:t>
-            </a:r>
-          </a:p>
-          <a:p>
-            <a:r>
-              <a:rPr lang="en-GB" dirty="0"/>
               <a:t>A simple implementation might include unlikely instances</a:t>
             </a:r>
           </a:p>
@@ -9016,7 +8994,15 @@
           <a:p>
             <a:r>
               <a:rPr lang="en-GB" dirty="0"/>
-              <a:t>Led to Nobel Prize in Economics in 2012</a:t>
+              <a:t>Led to Nobel </a:t>
+            </a:r>
+            <a:r>
+              <a:rPr lang="en-GB"/>
+              <a:t>Prize for </a:t>
+            </a:r>
+            <a:r>
+              <a:rPr lang="en-GB" dirty="0"/>
+              <a:t>Economics in 2012</a:t>
             </a:r>
           </a:p>
         </p:txBody>
@@ -11067,7 +11053,7 @@
             </a:pPr>
             <a:r>
               <a:rPr lang="en-GB" dirty="0"/>
-              <a:t>We treat our model features as players</a:t>
+              <a:t>We look at combinations of our model features</a:t>
             </a:r>
           </a:p>
           <a:p>
@@ -11077,7 +11063,7 @@
             </a:pPr>
             <a:r>
               <a:rPr lang="en-GB" dirty="0"/>
-              <a:t>We treat the model prediction for a single instance as the pay-out</a:t>
+              <a:t>We treat the model prediction for a single instance as the value of the combination</a:t>
             </a:r>
           </a:p>
           <a:p>
@@ -11087,7 +11073,7 @@
             </a:pPr>
             <a:r>
               <a:rPr lang="en-GB" dirty="0"/>
-              <a:t>We query our model with other instance to measure change in pay-out</a:t>
+              <a:t>We query our model with other instance to measure change in value</a:t>
             </a:r>
           </a:p>
           <a:p>
